--- a/Lectures/Arsenic.pptx
+++ b/Lectures/Arsenic.pptx
@@ -224,7 +224,7 @@
           <a:p>
             <a:fld id="{040A9B2E-B1E0-4D82-BB36-53870A420F4F}" type="datetimeFigureOut">
               <a:rPr lang="en-US" smtClean="0"/>
-              <a:t>2/26/2020</a:t>
+              <a:t>2/27/2020</a:t>
             </a:fld>
             <a:endParaRPr lang="en-US"/>
           </a:p>
@@ -2354,11 +2354,7 @@
           <a:p>
             <a:r>
               <a:rPr lang="en-US" dirty="0" smtClean="0"/>
-              <a:t>Don’t </a:t>
-            </a:r>
-            <a:r>
-              <a:rPr lang="en-US" dirty="0" smtClean="0"/>
-              <a:t>forget</a:t>
+              <a:t>Don’t forget</a:t>
             </a:r>
             <a:r>
               <a:rPr lang="en-US" baseline="0" dirty="0" smtClean="0"/>
@@ -3862,7 +3858,7 @@
           <a:p>
             <a:fld id="{C95CED01-24E4-4C43-912C-6F6D3D954174}" type="datetimeFigureOut">
               <a:rPr lang="en-US" smtClean="0"/>
-              <a:t>2/26/2020</a:t>
+              <a:t>2/27/2020</a:t>
             </a:fld>
             <a:endParaRPr lang="en-US"/>
           </a:p>
@@ -6657,7 +6653,7 @@
           <a:p>
             <a:fld id="{C95CED01-24E4-4C43-912C-6F6D3D954174}" type="datetimeFigureOut">
               <a:rPr lang="en-US" smtClean="0"/>
-              <a:t>2/26/2020</a:t>
+              <a:t>2/27/2020</a:t>
             </a:fld>
             <a:endParaRPr lang="en-US"/>
           </a:p>
@@ -7078,7 +7074,7 @@
           <a:p>
             <a:fld id="{C95CED01-24E4-4C43-912C-6F6D3D954174}" type="datetimeFigureOut">
               <a:rPr lang="en-US" smtClean="0"/>
-              <a:t>2/26/2020</a:t>
+              <a:t>2/27/2020</a:t>
             </a:fld>
             <a:endParaRPr lang="en-US"/>
           </a:p>
@@ -7520,7 +7516,7 @@
           <a:p>
             <a:fld id="{C95CED01-24E4-4C43-912C-6F6D3D954174}" type="datetimeFigureOut">
               <a:rPr lang="en-US" smtClean="0"/>
-              <a:t>2/26/2020</a:t>
+              <a:t>2/27/2020</a:t>
             </a:fld>
             <a:endParaRPr lang="en-US"/>
           </a:p>
@@ -7653,7 +7649,7 @@
           <a:p>
             <a:fld id="{C95CED01-24E4-4C43-912C-6F6D3D954174}" type="datetimeFigureOut">
               <a:rPr lang="en-US" smtClean="0"/>
-              <a:t>2/26/2020</a:t>
+              <a:t>2/27/2020</a:t>
             </a:fld>
             <a:endParaRPr lang="en-US"/>
           </a:p>
@@ -7763,7 +7759,7 @@
           <a:p>
             <a:fld id="{C95CED01-24E4-4C43-912C-6F6D3D954174}" type="datetimeFigureOut">
               <a:rPr lang="en-US" smtClean="0"/>
-              <a:t>2/26/2020</a:t>
+              <a:t>2/27/2020</a:t>
             </a:fld>
             <a:endParaRPr lang="en-US"/>
           </a:p>
@@ -7909,7 +7905,7 @@
           <a:p>
             <a:fld id="{C95CED01-24E4-4C43-912C-6F6D3D954174}" type="datetimeFigureOut">
               <a:rPr lang="en-US" smtClean="0"/>
-              <a:t>2/26/2020</a:t>
+              <a:t>2/27/2020</a:t>
             </a:fld>
             <a:endParaRPr lang="en-US"/>
           </a:p>
@@ -8662,7 +8658,7 @@
           <a:p>
             <a:fld id="{C95CED01-24E4-4C43-912C-6F6D3D954174}" type="datetimeFigureOut">
               <a:rPr lang="en-US" smtClean="0"/>
-              <a:t>2/26/2020</a:t>
+              <a:t>2/27/2020</a:t>
             </a:fld>
             <a:endParaRPr lang="en-US"/>
           </a:p>
@@ -11015,11 +11011,7 @@
           <a:p>
             <a:r>
               <a:rPr lang="en-US" dirty="0" smtClean="0"/>
-              <a:t>What would you propose</a:t>
-            </a:r>
-            <a:r>
-              <a:rPr lang="en-US" dirty="0" smtClean="0"/>
-              <a:t>?</a:t>
+              <a:t>What would you propose?</a:t>
             </a:r>
           </a:p>
           <a:p>
@@ -11428,33 +11420,13 @@
           <a:p>
             <a:r>
               <a:rPr lang="en-US" dirty="0" smtClean="0"/>
-              <a:t>Adsorption to </a:t>
-            </a:r>
+              <a:t>Adsorption to aluminum and iron based coagulants</a:t>
+            </a:r>
+          </a:p>
+          <a:p>
             <a:r>
               <a:rPr lang="en-US" dirty="0" smtClean="0"/>
-              <a:t>aluminum </a:t>
-            </a:r>
-            <a:r>
-              <a:rPr lang="en-US" dirty="0" smtClean="0"/>
-              <a:t>and </a:t>
-            </a:r>
-            <a:r>
-              <a:rPr lang="en-US" dirty="0" smtClean="0"/>
-              <a:t>iron </a:t>
-            </a:r>
-            <a:r>
-              <a:rPr lang="en-US" dirty="0" smtClean="0"/>
-              <a:t>based coagulants</a:t>
-            </a:r>
-          </a:p>
-          <a:p>
-            <a:r>
-              <a:rPr lang="en-US" dirty="0" smtClean="0"/>
-              <a:t>Activated </a:t>
-            </a:r>
-            <a:r>
-              <a:rPr lang="en-US" dirty="0" smtClean="0"/>
-              <a:t>alumina (fixed bed of aluminum oxides)</a:t>
+              <a:t>Activated alumina (fixed bed of aluminum oxides)</a:t>
             </a:r>
           </a:p>
           <a:p>
@@ -13482,11 +13454,7 @@
           <a:p>
             <a:r>
               <a:rPr lang="en-US" dirty="0" smtClean="0"/>
-              <a:t>Oxidize the </a:t>
-            </a:r>
-            <a:r>
-              <a:rPr lang="en-US" dirty="0" smtClean="0"/>
-              <a:t>arsenic to make it easier to remove!</a:t>
+              <a:t>Oxidize the arsenic to make it easier to remove!</a:t>
             </a:r>
             <a:endParaRPr lang="en-US" dirty="0"/>
           </a:p>
@@ -13544,11 +13512,7 @@
             </a:r>
             <a:r>
               <a:rPr lang="en-US" dirty="0" smtClean="0"/>
-              <a:t>As(V) is much easier to remove with iron and aluminum </a:t>
-            </a:r>
-            <a:r>
-              <a:rPr lang="en-US" dirty="0" smtClean="0"/>
-              <a:t>coagulation</a:t>
+              <a:t>As(V) is much easier to remove with iron and aluminum coagulation</a:t>
             </a:r>
             <a:br>
               <a:rPr lang="en-US" dirty="0" smtClean="0"/>
@@ -13566,15 +13530,7 @@
             </a:r>
             <a:r>
               <a:rPr lang="en-US" dirty="0" smtClean="0"/>
-              <a:t>), can be oxidized </a:t>
-            </a:r>
-            <a:r>
-              <a:rPr lang="en-US" dirty="0" smtClean="0"/>
-              <a:t>to </a:t>
-            </a:r>
-            <a:r>
-              <a:rPr lang="en-US" dirty="0" smtClean="0"/>
-              <a:t>As(V) with chlorine, permanganate, or ozone</a:t>
+              <a:t>), can be oxidized to As(V) with chlorine, permanganate, or ozone</a:t>
             </a:r>
           </a:p>
           <a:p>
@@ -15427,11 +15383,7 @@
           <a:p>
             <a:r>
               <a:rPr lang="en-US" dirty="0" smtClean="0"/>
-              <a:t>Arsenic(V) acid </a:t>
-            </a:r>
-            <a:r>
-              <a:rPr lang="en-US" dirty="0" smtClean="0"/>
-              <a:t>reactions (Arsenate)</a:t>
+              <a:t>Arsenic(V) acid reactions (Arsenate)</a:t>
             </a:r>
             <a:endParaRPr lang="en-US" dirty="0"/>
           </a:p>
@@ -17241,19 +17193,7 @@
           <a:p>
             <a:r>
               <a:rPr lang="en-US" dirty="0" smtClean="0"/>
-              <a:t>Inner </a:t>
-            </a:r>
-            <a:r>
-              <a:rPr lang="en-US" dirty="0" smtClean="0"/>
-              <a:t>sphere</a:t>
-            </a:r>
-            <a:r>
-              <a:rPr lang="en-US" dirty="0" smtClean="0"/>
-              <a:t>: molecule                    forms covalent bonds with the molecules in the surface of aluminum or </a:t>
-            </a:r>
-            <a:r>
-              <a:rPr lang="en-US" dirty="0" smtClean="0"/>
-              <a:t>iron hydroxide</a:t>
+              <a:t>Inner sphere: molecule                    forms covalent bonds with the molecules in the surface of aluminum or iron hydroxide</a:t>
             </a:r>
           </a:p>
           <a:p>
@@ -17262,24 +17202,11 @@
               <a:rPr lang="en-US" dirty="0" smtClean="0"/>
               <a:t>Strong bond</a:t>
             </a:r>
-            <a:endParaRPr lang="en-US" dirty="0" smtClean="0"/>
           </a:p>
           <a:p>
             <a:r>
               <a:rPr lang="en-US" dirty="0" smtClean="0"/>
-              <a:t>Outer </a:t>
-            </a:r>
-            <a:r>
-              <a:rPr lang="en-US" dirty="0" smtClean="0"/>
-              <a:t>sphere</a:t>
-            </a:r>
-            <a:r>
-              <a:rPr lang="en-US" dirty="0" smtClean="0"/>
-              <a:t>: a water molecule remains between the arsenic and aluminum or iron </a:t>
-            </a:r>
-            <a:r>
-              <a:rPr lang="en-US" dirty="0" smtClean="0"/>
-              <a:t>hydroxide</a:t>
+              <a:t>Outer sphere: a water molecule remains between the arsenic and aluminum or iron hydroxide</a:t>
             </a:r>
           </a:p>
           <a:p>
@@ -24664,8 +24591,20 @@
             <a:pPr lvl="1"/>
             <a:r>
               <a:rPr lang="en-US" dirty="0" smtClean="0"/>
-              <a:t>Ithaca Bolton Point water = $2100/ML</a:t>
-            </a:r>
+              <a:t>Ithaca Bolton Point water = $</a:t>
+            </a:r>
+            <a:r>
+              <a:rPr lang="en-US" dirty="0" smtClean="0"/>
+              <a:t>2100/ML</a:t>
+            </a:r>
+          </a:p>
+          <a:p>
+            <a:pPr lvl="1"/>
+            <a:r>
+              <a:rPr lang="en-US" dirty="0" smtClean="0"/>
+              <a:t>CUWFP = $3212/ML</a:t>
+            </a:r>
+            <a:endParaRPr lang="en-US" dirty="0" smtClean="0"/>
           </a:p>
           <a:p>
             <a:r>
@@ -24816,12 +24755,12 @@
               <a:t>1 m elevation costs $0.3/ML (compared with water bill of </a:t>
             </a:r>
             <a:r>
-              <a:rPr lang="en-US" dirty="0"/>
-              <a:t>$</a:t>
-            </a:r>
-            <a:r>
               <a:rPr lang="en-US" dirty="0" smtClean="0"/>
-              <a:t>375/ML 1 m elevation change is cheap. </a:t>
+              <a:t>$3000/ML </a:t>
+            </a:r>
+            <a:r>
+              <a:rPr lang="en-US" dirty="0" smtClean="0"/>
+              <a:t>1 m elevation change is cheap. </a:t>
             </a:r>
             <a:r>
               <a:rPr lang="en-US" dirty="0" err="1" smtClean="0"/>
@@ -24829,7 +24768,15 @@
             </a:r>
             <a:r>
               <a:rPr lang="en-US" dirty="0" smtClean="0"/>
-              <a:t> = 1000 m = $300/ML )</a:t>
+              <a:t> </a:t>
+            </a:r>
+            <a:r>
+              <a:rPr lang="en-US" dirty="0" smtClean="0"/>
+              <a:t>energy = </a:t>
+            </a:r>
+            <a:r>
+              <a:rPr lang="en-US" dirty="0" smtClean="0"/>
+              <a:t>1000 m = $300/ML )</a:t>
             </a:r>
           </a:p>
           <a:p>
@@ -25478,11 +25425,7 @@
           <a:p>
             <a:r>
               <a:rPr lang="en-US" dirty="0" smtClean="0"/>
-              <a:t>Relied on </a:t>
-            </a:r>
-            <a:r>
-              <a:rPr lang="en-US" dirty="0" smtClean="0"/>
-              <a:t>surface waters that were contaminated with particles and pathogens</a:t>
+              <a:t>Relied on surface waters that were contaminated with particles and pathogens</a:t>
             </a:r>
           </a:p>
           <a:p>

--- a/Lectures/Arsenic.pptx
+++ b/Lectures/Arsenic.pptx
@@ -224,7 +224,7 @@
           <a:p>
             <a:fld id="{040A9B2E-B1E0-4D82-BB36-53870A420F4F}" type="datetimeFigureOut">
               <a:rPr lang="en-US" smtClean="0"/>
-              <a:t>2/27/2020</a:t>
+              <a:t>2/28/2020</a:t>
             </a:fld>
             <a:endParaRPr lang="en-US"/>
           </a:p>
@@ -3858,7 +3858,7 @@
           <a:p>
             <a:fld id="{C95CED01-24E4-4C43-912C-6F6D3D954174}" type="datetimeFigureOut">
               <a:rPr lang="en-US" smtClean="0"/>
-              <a:t>2/27/2020</a:t>
+              <a:t>2/28/2020</a:t>
             </a:fld>
             <a:endParaRPr lang="en-US"/>
           </a:p>
@@ -6653,7 +6653,7 @@
           <a:p>
             <a:fld id="{C95CED01-24E4-4C43-912C-6F6D3D954174}" type="datetimeFigureOut">
               <a:rPr lang="en-US" smtClean="0"/>
-              <a:t>2/27/2020</a:t>
+              <a:t>2/28/2020</a:t>
             </a:fld>
             <a:endParaRPr lang="en-US"/>
           </a:p>
@@ -7074,7 +7074,7 @@
           <a:p>
             <a:fld id="{C95CED01-24E4-4C43-912C-6F6D3D954174}" type="datetimeFigureOut">
               <a:rPr lang="en-US" smtClean="0"/>
-              <a:t>2/27/2020</a:t>
+              <a:t>2/28/2020</a:t>
             </a:fld>
             <a:endParaRPr lang="en-US"/>
           </a:p>
@@ -7516,7 +7516,7 @@
           <a:p>
             <a:fld id="{C95CED01-24E4-4C43-912C-6F6D3D954174}" type="datetimeFigureOut">
               <a:rPr lang="en-US" smtClean="0"/>
-              <a:t>2/27/2020</a:t>
+              <a:t>2/28/2020</a:t>
             </a:fld>
             <a:endParaRPr lang="en-US"/>
           </a:p>
@@ -7649,7 +7649,7 @@
           <a:p>
             <a:fld id="{C95CED01-24E4-4C43-912C-6F6D3D954174}" type="datetimeFigureOut">
               <a:rPr lang="en-US" smtClean="0"/>
-              <a:t>2/27/2020</a:t>
+              <a:t>2/28/2020</a:t>
             </a:fld>
             <a:endParaRPr lang="en-US"/>
           </a:p>
@@ -7759,7 +7759,7 @@
           <a:p>
             <a:fld id="{C95CED01-24E4-4C43-912C-6F6D3D954174}" type="datetimeFigureOut">
               <a:rPr lang="en-US" smtClean="0"/>
-              <a:t>2/27/2020</a:t>
+              <a:t>2/28/2020</a:t>
             </a:fld>
             <a:endParaRPr lang="en-US"/>
           </a:p>
@@ -7905,7 +7905,7 @@
           <a:p>
             <a:fld id="{C95CED01-24E4-4C43-912C-6F6D3D954174}" type="datetimeFigureOut">
               <a:rPr lang="en-US" smtClean="0"/>
-              <a:t>2/27/2020</a:t>
+              <a:t>2/28/2020</a:t>
             </a:fld>
             <a:endParaRPr lang="en-US"/>
           </a:p>
@@ -8658,7 +8658,7 @@
           <a:p>
             <a:fld id="{C95CED01-24E4-4C43-912C-6F6D3D954174}" type="datetimeFigureOut">
               <a:rPr lang="en-US" smtClean="0"/>
-              <a:t>2/27/2020</a:t>
+              <a:t>2/28/2020</a:t>
             </a:fld>
             <a:endParaRPr lang="en-US"/>
           </a:p>
@@ -11722,8 +11722,8 @@
               <a:t>Arsenic Capacity: 0.5 - 4.0 </a:t>
             </a:r>
             <a:r>
-              <a:rPr lang="en-US" dirty="0" smtClean="0"/>
-              <a:t>As/l??????</a:t>
+              <a:rPr lang="en-US" smtClean="0"/>
+              <a:t>g As/L</a:t>
             </a:r>
             <a:endParaRPr lang="en-US" dirty="0"/>
           </a:p>
@@ -24591,11 +24591,7 @@
             <a:pPr lvl="1"/>
             <a:r>
               <a:rPr lang="en-US" dirty="0" smtClean="0"/>
-              <a:t>Ithaca Bolton Point water = $</a:t>
-            </a:r>
-            <a:r>
-              <a:rPr lang="en-US" dirty="0" smtClean="0"/>
-              <a:t>2100/ML</a:t>
+              <a:t>Ithaca Bolton Point water = $2100/ML</a:t>
             </a:r>
           </a:p>
           <a:p>
@@ -24604,7 +24600,6 @@
               <a:rPr lang="en-US" dirty="0" smtClean="0"/>
               <a:t>CUWFP = $3212/ML</a:t>
             </a:r>
-            <a:endParaRPr lang="en-US" dirty="0" smtClean="0"/>
           </a:p>
           <a:p>
             <a:r>
@@ -24752,15 +24747,7 @@
           <a:p>
             <a:r>
               <a:rPr lang="en-US" dirty="0" smtClean="0"/>
-              <a:t>1 m elevation costs $0.3/ML (compared with water bill of </a:t>
-            </a:r>
-            <a:r>
-              <a:rPr lang="en-US" dirty="0" smtClean="0"/>
-              <a:t>$3000/ML </a:t>
-            </a:r>
-            <a:r>
-              <a:rPr lang="en-US" dirty="0" smtClean="0"/>
-              <a:t>1 m elevation change is cheap. </a:t>
+              <a:t>1 m elevation costs $0.3/ML (compared with water bill of $3000/ML 1 m elevation change is cheap. </a:t>
             </a:r>
             <a:r>
               <a:rPr lang="en-US" dirty="0" err="1" smtClean="0"/>
@@ -24768,15 +24755,7 @@
             </a:r>
             <a:r>
               <a:rPr lang="en-US" dirty="0" smtClean="0"/>
-              <a:t> </a:t>
-            </a:r>
-            <a:r>
-              <a:rPr lang="en-US" dirty="0" smtClean="0"/>
-              <a:t>energy = </a:t>
-            </a:r>
-            <a:r>
-              <a:rPr lang="en-US" dirty="0" smtClean="0"/>
-              <a:t>1000 m = $300/ML )</a:t>
+              <a:t> energy = 1000 m = $300/ML )</a:t>
             </a:r>
           </a:p>
           <a:p>

--- a/Lectures/Arsenic.pptx
+++ b/Lectures/Arsenic.pptx
@@ -224,7 +224,7 @@
           <a:p>
             <a:fld id="{040A9B2E-B1E0-4D82-BB36-53870A420F4F}" type="datetimeFigureOut">
               <a:rPr lang="en-US" smtClean="0"/>
-              <a:t>2/28/2020</a:t>
+              <a:t>3/3/2020</a:t>
             </a:fld>
             <a:endParaRPr lang="en-US"/>
           </a:p>
@@ -1757,7 +1757,32 @@
               <a:rPr lang="en-US" dirty="0" smtClean="0">
                 <a:hlinkClick r:id="rId3"/>
               </a:rPr>
-              <a:t>https://pages.jh.edu/~dsverje1/curr_res.html</a:t>
+              <a:t>https://pages.jh.edu/~</a:t>
+            </a:r>
+            <a:r>
+              <a:rPr lang="en-US" dirty="0" smtClean="0">
+                <a:hlinkClick r:id="rId3"/>
+              </a:rPr>
+              <a:t>dsverje1/curr_res.html</a:t>
+            </a:r>
+          </a:p>
+          <a:p>
+            <a:endParaRPr lang="en-US" dirty="0" smtClean="0"/>
+          </a:p>
+          <a:p>
+            <a:r>
+              <a:rPr lang="en-US" dirty="0" smtClean="0"/>
+              <a:t>What pH would this</a:t>
+            </a:r>
+            <a:r>
+              <a:rPr lang="en-US" baseline="0" dirty="0" smtClean="0"/>
+              <a:t> occur</a:t>
+            </a:r>
+          </a:p>
+          <a:p>
+            <a:r>
+              <a:rPr lang="en-US" baseline="0" dirty="0" smtClean="0"/>
+              <a:t>pH of 10!</a:t>
             </a:r>
             <a:endParaRPr lang="en-US" dirty="0"/>
           </a:p>
@@ -1873,7 +1898,11 @@
             </a:r>
             <a:r>
               <a:rPr lang="en-US" baseline="0" dirty="0" smtClean="0"/>
-              <a:t> molecule push the water away? Must have stronger bonds. The bonds are polar bon</a:t>
+              <a:t> molecule push the water away? Must have stronger bonds. The bonds are polar </a:t>
+            </a:r>
+            <a:r>
+              <a:rPr lang="en-US" baseline="0" dirty="0" smtClean="0"/>
+              <a:t>bonds</a:t>
             </a:r>
             <a:endParaRPr lang="en-US" dirty="0"/>
           </a:p>
@@ -3858,7 +3887,7 @@
           <a:p>
             <a:fld id="{C95CED01-24E4-4C43-912C-6F6D3D954174}" type="datetimeFigureOut">
               <a:rPr lang="en-US" smtClean="0"/>
-              <a:t>2/28/2020</a:t>
+              <a:t>3/3/2020</a:t>
             </a:fld>
             <a:endParaRPr lang="en-US"/>
           </a:p>
@@ -6653,7 +6682,7 @@
           <a:p>
             <a:fld id="{C95CED01-24E4-4C43-912C-6F6D3D954174}" type="datetimeFigureOut">
               <a:rPr lang="en-US" smtClean="0"/>
-              <a:t>2/28/2020</a:t>
+              <a:t>3/3/2020</a:t>
             </a:fld>
             <a:endParaRPr lang="en-US"/>
           </a:p>
@@ -7074,7 +7103,7 @@
           <a:p>
             <a:fld id="{C95CED01-24E4-4C43-912C-6F6D3D954174}" type="datetimeFigureOut">
               <a:rPr lang="en-US" smtClean="0"/>
-              <a:t>2/28/2020</a:t>
+              <a:t>3/3/2020</a:t>
             </a:fld>
             <a:endParaRPr lang="en-US"/>
           </a:p>
@@ -7516,7 +7545,7 @@
           <a:p>
             <a:fld id="{C95CED01-24E4-4C43-912C-6F6D3D954174}" type="datetimeFigureOut">
               <a:rPr lang="en-US" smtClean="0"/>
-              <a:t>2/28/2020</a:t>
+              <a:t>3/3/2020</a:t>
             </a:fld>
             <a:endParaRPr lang="en-US"/>
           </a:p>
@@ -7649,7 +7678,7 @@
           <a:p>
             <a:fld id="{C95CED01-24E4-4C43-912C-6F6D3D954174}" type="datetimeFigureOut">
               <a:rPr lang="en-US" smtClean="0"/>
-              <a:t>2/28/2020</a:t>
+              <a:t>3/3/2020</a:t>
             </a:fld>
             <a:endParaRPr lang="en-US"/>
           </a:p>
@@ -7759,7 +7788,7 @@
           <a:p>
             <a:fld id="{C95CED01-24E4-4C43-912C-6F6D3D954174}" type="datetimeFigureOut">
               <a:rPr lang="en-US" smtClean="0"/>
-              <a:t>2/28/2020</a:t>
+              <a:t>3/3/2020</a:t>
             </a:fld>
             <a:endParaRPr lang="en-US"/>
           </a:p>
@@ -7905,7 +7934,7 @@
           <a:p>
             <a:fld id="{C95CED01-24E4-4C43-912C-6F6D3D954174}" type="datetimeFigureOut">
               <a:rPr lang="en-US" smtClean="0"/>
-              <a:t>2/28/2020</a:t>
+              <a:t>3/3/2020</a:t>
             </a:fld>
             <a:endParaRPr lang="en-US"/>
           </a:p>
@@ -8658,7 +8687,7 @@
           <a:p>
             <a:fld id="{C95CED01-24E4-4C43-912C-6F6D3D954174}" type="datetimeFigureOut">
               <a:rPr lang="en-US" smtClean="0"/>
-              <a:t>2/28/2020</a:t>
+              <a:t>3/3/2020</a:t>
             </a:fld>
             <a:endParaRPr lang="en-US"/>
           </a:p>
@@ -24458,13 +24487,19 @@
           <a:p>
             <a:r>
               <a:rPr lang="en-US" dirty="0" smtClean="0"/>
-              <a:t>Removing As with flocculation/sedimentation may be challenging if the flocs are </a:t>
-            </a:r>
-            <a:r>
-              <a:rPr lang="en-US" smtClean="0"/>
-              <a:t>low density</a:t>
-            </a:r>
-            <a:endParaRPr lang="en-US"/>
+              <a:t>Removing As with flocculation/sedimentation may be challenging if the flocs are low </a:t>
+            </a:r>
+            <a:r>
+              <a:rPr lang="en-US" dirty="0" smtClean="0"/>
+              <a:t>density</a:t>
+            </a:r>
+          </a:p>
+          <a:p>
+            <a:r>
+              <a:rPr lang="en-US" dirty="0" smtClean="0"/>
+              <a:t>Why does it take 580 moles of Al to remove 1 mole of As?</a:t>
+            </a:r>
+            <a:endParaRPr lang="en-US" dirty="0"/>
           </a:p>
         </p:txBody>
       </p:sp>
